--- a/images/Alexis DANDRE - CV.pptx
+++ b/images/Alexis DANDRE - CV.pptx
@@ -744,7 +744,7 @@
             <a:fld id="{8CF0904D-930F-FD46-A326-BF7152BF9E0A}" type="datetimeFigureOut">
               <a:rPr lang="fr-FR" smtClean="0"/>
               <a:pPr/>
-              <a:t>14/01/2025</a:t>
+              <a:t>09/05/2025</a:t>
             </a:fld>
             <a:endParaRPr lang="fr-FR"/>
           </a:p>
@@ -916,7 +916,7 @@
             <a:fld id="{8CF0904D-930F-FD46-A326-BF7152BF9E0A}" type="datetimeFigureOut">
               <a:rPr lang="fr-FR" smtClean="0"/>
               <a:pPr/>
-              <a:t>14/01/2025</a:t>
+              <a:t>09/05/2025</a:t>
             </a:fld>
             <a:endParaRPr lang="fr-FR"/>
           </a:p>
@@ -1098,7 +1098,7 @@
             <a:fld id="{8CF0904D-930F-FD46-A326-BF7152BF9E0A}" type="datetimeFigureOut">
               <a:rPr lang="fr-FR" smtClean="0"/>
               <a:pPr/>
-              <a:t>14/01/2025</a:t>
+              <a:t>09/05/2025</a:t>
             </a:fld>
             <a:endParaRPr lang="fr-FR"/>
           </a:p>
@@ -1270,7 +1270,7 @@
             <a:fld id="{8CF0904D-930F-FD46-A326-BF7152BF9E0A}" type="datetimeFigureOut">
               <a:rPr lang="fr-FR" smtClean="0"/>
               <a:pPr/>
-              <a:t>14/01/2025</a:t>
+              <a:t>09/05/2025</a:t>
             </a:fld>
             <a:endParaRPr lang="fr-FR"/>
           </a:p>
@@ -1518,7 +1518,7 @@
             <a:fld id="{8CF0904D-930F-FD46-A326-BF7152BF9E0A}" type="datetimeFigureOut">
               <a:rPr lang="fr-FR" smtClean="0"/>
               <a:pPr/>
-              <a:t>14/01/2025</a:t>
+              <a:t>09/05/2025</a:t>
             </a:fld>
             <a:endParaRPr lang="fr-FR"/>
           </a:p>
@@ -1808,7 +1808,7 @@
             <a:fld id="{8CF0904D-930F-FD46-A326-BF7152BF9E0A}" type="datetimeFigureOut">
               <a:rPr lang="fr-FR" smtClean="0"/>
               <a:pPr/>
-              <a:t>14/01/2025</a:t>
+              <a:t>09/05/2025</a:t>
             </a:fld>
             <a:endParaRPr lang="fr-FR"/>
           </a:p>
@@ -2237,7 +2237,7 @@
             <a:fld id="{8CF0904D-930F-FD46-A326-BF7152BF9E0A}" type="datetimeFigureOut">
               <a:rPr lang="fr-FR" smtClean="0"/>
               <a:pPr/>
-              <a:t>14/01/2025</a:t>
+              <a:t>09/05/2025</a:t>
             </a:fld>
             <a:endParaRPr lang="fr-FR"/>
           </a:p>
@@ -2357,7 +2357,7 @@
             <a:fld id="{8CF0904D-930F-FD46-A326-BF7152BF9E0A}" type="datetimeFigureOut">
               <a:rPr lang="fr-FR" smtClean="0"/>
               <a:pPr/>
-              <a:t>14/01/2025</a:t>
+              <a:t>09/05/2025</a:t>
             </a:fld>
             <a:endParaRPr lang="fr-FR"/>
           </a:p>
@@ -2454,7 +2454,7 @@
             <a:fld id="{8CF0904D-930F-FD46-A326-BF7152BF9E0A}" type="datetimeFigureOut">
               <a:rPr lang="fr-FR" smtClean="0"/>
               <a:pPr/>
-              <a:t>14/01/2025</a:t>
+              <a:t>09/05/2025</a:t>
             </a:fld>
             <a:endParaRPr lang="fr-FR"/>
           </a:p>
@@ -2733,7 +2733,7 @@
             <a:fld id="{8CF0904D-930F-FD46-A326-BF7152BF9E0A}" type="datetimeFigureOut">
               <a:rPr lang="fr-FR" smtClean="0"/>
               <a:pPr/>
-              <a:t>14/01/2025</a:t>
+              <a:t>09/05/2025</a:t>
             </a:fld>
             <a:endParaRPr lang="fr-FR"/>
           </a:p>
@@ -2988,7 +2988,7 @@
             <a:fld id="{8CF0904D-930F-FD46-A326-BF7152BF9E0A}" type="datetimeFigureOut">
               <a:rPr lang="fr-FR" smtClean="0"/>
               <a:pPr/>
-              <a:t>14/01/2025</a:t>
+              <a:t>09/05/2025</a:t>
             </a:fld>
             <a:endParaRPr lang="fr-FR"/>
           </a:p>
@@ -3203,7 +3203,7 @@
             <a:fld id="{8CF0904D-930F-FD46-A326-BF7152BF9E0A}" type="datetimeFigureOut">
               <a:rPr lang="fr-FR" smtClean="0"/>
               <a:pPr/>
-              <a:t>14/01/2025</a:t>
+              <a:t>09/05/2025</a:t>
             </a:fld>
             <a:endParaRPr lang="fr-FR"/>
           </a:p>
@@ -3670,15 +3670,7 @@
             </a:pPr>
             <a:r>
               <a:rPr lang="fr-FR" sz="1300" dirty="0" smtClean="0"/>
-              <a:t> Configuration de </a:t>
-            </a:r>
-            <a:r>
-              <a:rPr lang="fr-FR" sz="1300" dirty="0" smtClean="0"/>
-              <a:t>Points </a:t>
-            </a:r>
-            <a:r>
-              <a:rPr lang="fr-FR" sz="1300" dirty="0" smtClean="0"/>
-              <a:t>d’accès Wifi</a:t>
+              <a:t> Configuration de Points d’accès Wifi</a:t>
             </a:r>
           </a:p>
           <a:p>
@@ -3692,11 +3684,7 @@
             </a:r>
             <a:r>
               <a:rPr lang="fr-FR" sz="1300" smtClean="0"/>
-              <a:t>de </a:t>
-            </a:r>
-            <a:r>
-              <a:rPr lang="fr-FR" sz="1300" smtClean="0"/>
-              <a:t>signaux</a:t>
+              <a:t>de signaux</a:t>
             </a:r>
             <a:endParaRPr lang="fr-FR" sz="1300" dirty="0" smtClean="0"/>
           </a:p>
@@ -4124,7 +4112,7 @@
         </p:nvSpPr>
         <p:spPr>
           <a:xfrm>
-            <a:off x="3684896" y="4289386"/>
+            <a:off x="3684896" y="4410075"/>
             <a:ext cx="3877953" cy="3354765"/>
           </a:xfrm>
           <a:prstGeom prst="rect">
@@ -4284,7 +4272,7 @@
         <p:spPr>
           <a:xfrm>
             <a:off x="3687169" y="7898530"/>
-            <a:ext cx="3877953" cy="1077218"/>
+            <a:ext cx="3877953" cy="1938992"/>
           </a:xfrm>
           <a:prstGeom prst="rect">
             <a:avLst/>
@@ -4328,8 +4316,30 @@
             </a:r>
             <a:r>
               <a:rPr lang="fr-FR" sz="1400" dirty="0" smtClean="0"/>
-              <a:t> à St Bonnet Près Riom</a:t>
-            </a:r>
+              <a:t> à St Bonnet Près </a:t>
+            </a:r>
+            <a:r>
+              <a:rPr lang="fr-FR" sz="1400" dirty="0" smtClean="0"/>
+              <a:t>Riom</a:t>
+            </a:r>
+          </a:p>
+          <a:p>
+            <a:endParaRPr lang="fr-FR" sz="1400" dirty="0" smtClean="0"/>
+          </a:p>
+          <a:p>
+            <a:r>
+              <a:rPr lang="fr-FR" sz="1400" dirty="0" smtClean="0"/>
+              <a:t>Septembre 2021- Juin 2022: Coach Assistant de football Catégories </a:t>
+            </a:r>
+            <a:r>
+              <a:rPr lang="fr-FR" sz="1400" dirty="0" smtClean="0"/>
+              <a:t>U6-U7 – </a:t>
+            </a:r>
+            <a:r>
+              <a:rPr lang="fr-FR" sz="1400" dirty="0" smtClean="0"/>
+              <a:t>Groupement SCB Foot à St Bonnet Près Riom</a:t>
+            </a:r>
+            <a:endParaRPr lang="fr-FR" sz="1400" dirty="0" smtClean="0"/>
           </a:p>
         </p:txBody>
       </p:sp>
@@ -4459,6 +4469,70 @@
           </a:p>
         </p:txBody>
       </p:sp>
+      <p:sp>
+        <p:nvSpPr>
+          <p:cNvPr id="14" name="ZoneTexte 13"/>
+          <p:cNvSpPr txBox="1"/>
+          <p:nvPr/>
+        </p:nvSpPr>
+        <p:spPr>
+          <a:xfrm>
+            <a:off x="4324349" y="3613847"/>
+            <a:ext cx="2905125" cy="307777"/>
+          </a:xfrm>
+          <a:prstGeom prst="rect">
+            <a:avLst/>
+          </a:prstGeom>
+          <a:noFill/>
+        </p:spPr>
+        <p:txBody>
+          <a:bodyPr wrap="square" rtlCol="0">
+            <a:spAutoFit/>
+          </a:bodyPr>
+          <a:lstStyle/>
+          <a:p>
+            <a:r>
+              <a:rPr lang="fr-FR" sz="1400" u="sng" dirty="0" smtClean="0">
+                <a:solidFill>
+                  <a:schemeClr val="accent1"/>
+                </a:solidFill>
+              </a:rPr>
+              <a:t>https://aldandre.github.io/Portfolio/</a:t>
+            </a:r>
+            <a:endParaRPr lang="fr-FR" sz="1400" u="sng" dirty="0">
+              <a:solidFill>
+                <a:schemeClr val="accent1"/>
+              </a:solidFill>
+            </a:endParaRPr>
+          </a:p>
+        </p:txBody>
+      </p:sp>
+      <p:pic>
+        <p:nvPicPr>
+          <p:cNvPr id="15" name="Image 14" descr="lien.png"/>
+          <p:cNvPicPr>
+            <a:picLocks noChangeAspect="1"/>
+          </p:cNvPicPr>
+          <p:nvPr/>
+        </p:nvPicPr>
+        <p:blipFill>
+          <a:blip r:embed="rId5">
+            <a:biLevel thresh="50000"/>
+          </a:blip>
+          <a:stretch>
+            <a:fillRect/>
+          </a:stretch>
+        </p:blipFill>
+        <p:spPr>
+          <a:xfrm>
+            <a:off x="4063467" y="3660742"/>
+            <a:ext cx="260882" cy="260882"/>
+          </a:xfrm>
+          <a:prstGeom prst="rect">
+            <a:avLst/>
+          </a:prstGeom>
+        </p:spPr>
+      </p:pic>
     </p:spTree>
     <p:extLst>
       <p:ext uri="{BB962C8B-B14F-4D97-AF65-F5344CB8AC3E}">
